--- a/clases/Cap02_Extraccion_de_Caracteristicas/presentations/PAT02_Tarea02.pptx
+++ b/clases/Cap02_Extraccion_de_Caracteristicas/presentations/PAT02_Tarea02.pptx
@@ -115,6 +115,11 @@
       </a:defRPr>
     </a:lvl9pPr>
   </p:defaultTextStyle>
+  <p:extLst>
+    <p:ext uri="{EFAFB233-063F-42B5-8137-9DF3F51BA10A}">
+      <p15:sldGuideLst xmlns:p15="http://schemas.microsoft.com/office/powerpoint/2012/main"/>
+    </p:ext>
+  </p:extLst>
 </p:presentation>
 </file>
 
@@ -6002,7 +6007,7 @@
         <p:spPr>
           <a:xfrm>
             <a:off x="4499565" y="965442"/>
-            <a:ext cx="1558440" cy="584775"/>
+            <a:ext cx="1558440" cy="769441"/>
           </a:xfrm>
           <a:prstGeom prst="rect">
             <a:avLst/>
@@ -6018,6 +6023,12 @@
             <a:r>
               <a:rPr lang="en-CL" sz="3200" dirty="0"/>
               <a:t>NIVEL 1</a:t>
+            </a:r>
+          </a:p>
+          <a:p>
+            <a:r>
+              <a:rPr lang="en-CL" sz="1200" dirty="0"/>
+              <a:t>(1 partición)</a:t>
             </a:r>
           </a:p>
         </p:txBody>
@@ -6441,7 +6452,7 @@
         <p:spPr>
           <a:xfrm>
             <a:off x="4504264" y="3206989"/>
-            <a:ext cx="1558440" cy="584775"/>
+            <a:ext cx="1558440" cy="769441"/>
           </a:xfrm>
           <a:prstGeom prst="rect">
             <a:avLst/>
@@ -6459,6 +6470,12 @@
               <a:t>NIVEL 2</a:t>
             </a:r>
           </a:p>
+          <a:p>
+            <a:r>
+              <a:rPr lang="en-CL" sz="1200" dirty="0"/>
+              <a:t>(2x2 particiones)</a:t>
+            </a:r>
+          </a:p>
         </p:txBody>
       </p:sp>
       <p:sp>
@@ -6476,7 +6493,7 @@
         <p:spPr>
           <a:xfrm>
             <a:off x="4499565" y="5661877"/>
-            <a:ext cx="1558440" cy="584775"/>
+            <a:ext cx="1558440" cy="769441"/>
           </a:xfrm>
           <a:prstGeom prst="rect">
             <a:avLst/>
@@ -6492,6 +6509,12 @@
             <a:r>
               <a:rPr lang="en-CL" sz="3200" dirty="0"/>
               <a:t>NIVEL 3</a:t>
+            </a:r>
+          </a:p>
+          <a:p>
+            <a:r>
+              <a:rPr lang="en-CL" sz="1200" dirty="0"/>
+              <a:t>(4x4 particiones)</a:t>
             </a:r>
           </a:p>
         </p:txBody>
